--- a/CV/Cenz_WongTszHo_Resume_20220928.pptx
+++ b/CV/Cenz_WongTszHo_Resume_20220928.pptx
@@ -10090,47 +10090,47 @@
               <a:custGeom>
                 <a:avLst/>
                 <a:gdLst>
-                  <a:gd name="connsiteX0" fmla="*/ 0 w 4414470"/>
+                  <a:gd name="connsiteX0" fmla="*/ 0 w 4882334"/>
                   <a:gd name="connsiteY0" fmla="*/ 0 h 2674515"/>
-                  <a:gd name="connsiteX1" fmla="*/ 542349 w 4414470"/>
+                  <a:gd name="connsiteX1" fmla="*/ 599830 w 4882334"/>
                   <a:gd name="connsiteY1" fmla="*/ 0 h 2674515"/>
-                  <a:gd name="connsiteX2" fmla="*/ 1261277 w 4414470"/>
+                  <a:gd name="connsiteX2" fmla="*/ 1394953 w 4882334"/>
                   <a:gd name="connsiteY2" fmla="*/ 0 h 2674515"/>
-                  <a:gd name="connsiteX3" fmla="*/ 1980205 w 4414470"/>
+                  <a:gd name="connsiteX3" fmla="*/ 2190076 w 4882334"/>
                   <a:gd name="connsiteY3" fmla="*/ 0 h 2674515"/>
-                  <a:gd name="connsiteX4" fmla="*/ 2566699 w 4414470"/>
+                  <a:gd name="connsiteX4" fmla="*/ 2838728 w 4882334"/>
                   <a:gd name="connsiteY4" fmla="*/ 0 h 2674515"/>
-                  <a:gd name="connsiteX5" fmla="*/ 3285627 w 4414470"/>
+                  <a:gd name="connsiteX5" fmla="*/ 3633851 w 4882334"/>
                   <a:gd name="connsiteY5" fmla="*/ 0 h 2674515"/>
-                  <a:gd name="connsiteX6" fmla="*/ 4414470 w 4414470"/>
+                  <a:gd name="connsiteX6" fmla="*/ 4882334 w 4882334"/>
                   <a:gd name="connsiteY6" fmla="*/ 0 h 2674515"/>
-                  <a:gd name="connsiteX7" fmla="*/ 4414470 w 4414470"/>
+                  <a:gd name="connsiteX7" fmla="*/ 4882334 w 4882334"/>
                   <a:gd name="connsiteY7" fmla="*/ 722119 h 2674515"/>
-                  <a:gd name="connsiteX8" fmla="*/ 4414470 w 4414470"/>
+                  <a:gd name="connsiteX8" fmla="*/ 4882334 w 4882334"/>
                   <a:gd name="connsiteY8" fmla="*/ 1444238 h 2674515"/>
-                  <a:gd name="connsiteX9" fmla="*/ 4414470 w 4414470"/>
+                  <a:gd name="connsiteX9" fmla="*/ 4882334 w 4882334"/>
                   <a:gd name="connsiteY9" fmla="*/ 2032631 h 2674515"/>
-                  <a:gd name="connsiteX10" fmla="*/ 4414470 w 4414470"/>
+                  <a:gd name="connsiteX10" fmla="*/ 4882334 w 4882334"/>
                   <a:gd name="connsiteY10" fmla="*/ 2674515 h 2674515"/>
-                  <a:gd name="connsiteX11" fmla="*/ 3916266 w 4414470"/>
+                  <a:gd name="connsiteX11" fmla="*/ 4331328 w 4882334"/>
                   <a:gd name="connsiteY11" fmla="*/ 2674515 h 2674515"/>
-                  <a:gd name="connsiteX12" fmla="*/ 3197338 w 4414470"/>
+                  <a:gd name="connsiteX12" fmla="*/ 3536205 w 4882334"/>
                   <a:gd name="connsiteY12" fmla="*/ 2674515 h 2674515"/>
-                  <a:gd name="connsiteX13" fmla="*/ 2610844 w 4414470"/>
+                  <a:gd name="connsiteX13" fmla="*/ 2887552 w 4882334"/>
                   <a:gd name="connsiteY13" fmla="*/ 2674515 h 2674515"/>
-                  <a:gd name="connsiteX14" fmla="*/ 2112639 w 4414470"/>
+                  <a:gd name="connsiteX14" fmla="*/ 2336546 w 4882334"/>
                   <a:gd name="connsiteY14" fmla="*/ 2674515 h 2674515"/>
-                  <a:gd name="connsiteX15" fmla="*/ 1393711 w 4414470"/>
+                  <a:gd name="connsiteX15" fmla="*/ 1541423 w 4882334"/>
                   <a:gd name="connsiteY15" fmla="*/ 2674515 h 2674515"/>
-                  <a:gd name="connsiteX16" fmla="*/ 674783 w 4414470"/>
+                  <a:gd name="connsiteX16" fmla="*/ 746300 w 4882334"/>
                   <a:gd name="connsiteY16" fmla="*/ 2674515 h 2674515"/>
-                  <a:gd name="connsiteX17" fmla="*/ 0 w 4414470"/>
+                  <a:gd name="connsiteX17" fmla="*/ 0 w 4882334"/>
                   <a:gd name="connsiteY17" fmla="*/ 2674515 h 2674515"/>
-                  <a:gd name="connsiteX18" fmla="*/ 0 w 4414470"/>
+                  <a:gd name="connsiteX18" fmla="*/ 0 w 4882334"/>
                   <a:gd name="connsiteY18" fmla="*/ 1979141 h 2674515"/>
-                  <a:gd name="connsiteX19" fmla="*/ 0 w 4414470"/>
+                  <a:gd name="connsiteX19" fmla="*/ 0 w 4882334"/>
                   <a:gd name="connsiteY19" fmla="*/ 1283767 h 2674515"/>
-                  <a:gd name="connsiteX20" fmla="*/ 0 w 4414470"/>
+                  <a:gd name="connsiteX20" fmla="*/ 0 w 4882334"/>
                   <a:gd name="connsiteY20" fmla="*/ 0 h 2674515"/>
                 </a:gdLst>
                 <a:ahLst/>
@@ -10201,93 +10201,93 @@
                 </a:cxnLst>
                 <a:rect l="l" t="t" r="r" b="b"/>
                 <a:pathLst>
-                  <a:path w="4414470" h="2674515" extrusionOk="0">
+                  <a:path w="4882334" h="2674515" extrusionOk="0">
                     <a:moveTo>
                       <a:pt x="0" y="0"/>
                     </a:moveTo>
                     <a:cubicBezTo>
-                      <a:pt x="136596" y="-21162"/>
-                      <a:pt x="387129" y="299"/>
-                      <a:pt x="542349" y="0"/>
+                      <a:pt x="296734" y="-17059"/>
+                      <a:pt x="465372" y="-27331"/>
+                      <a:pt x="599830" y="0"/>
                     </a:cubicBezTo>
                     <a:cubicBezTo>
-                      <a:pt x="697569" y="-299"/>
-                      <a:pt x="1117050" y="35108"/>
-                      <a:pt x="1261277" y="0"/>
+                      <a:pt x="734288" y="27331"/>
+                      <a:pt x="1124076" y="-19980"/>
+                      <a:pt x="1394953" y="0"/>
                     </a:cubicBezTo>
                     <a:cubicBezTo>
-                      <a:pt x="1405504" y="-35108"/>
-                      <a:pt x="1661949" y="-34504"/>
-                      <a:pt x="1980205" y="0"/>
+                      <a:pt x="1665830" y="19980"/>
+                      <a:pt x="1823039" y="-14598"/>
+                      <a:pt x="2190076" y="0"/>
                     </a:cubicBezTo>
                     <a:cubicBezTo>
-                      <a:pt x="2298461" y="34504"/>
-                      <a:pt x="2337600" y="25999"/>
-                      <a:pt x="2566699" y="0"/>
+                      <a:pt x="2557113" y="14598"/>
+                      <a:pt x="2689640" y="31586"/>
+                      <a:pt x="2838728" y="0"/>
                     </a:cubicBezTo>
                     <a:cubicBezTo>
-                      <a:pt x="2795798" y="-25999"/>
-                      <a:pt x="3112820" y="28145"/>
-                      <a:pt x="3285627" y="0"/>
+                      <a:pt x="2987816" y="-31586"/>
+                      <a:pt x="3462987" y="-12106"/>
+                      <a:pt x="3633851" y="0"/>
                     </a:cubicBezTo>
                     <a:cubicBezTo>
-                      <a:pt x="3458434" y="-28145"/>
-                      <a:pt x="4164544" y="20985"/>
-                      <a:pt x="4414470" y="0"/>
+                      <a:pt x="3804715" y="12106"/>
+                      <a:pt x="4488544" y="-29232"/>
+                      <a:pt x="4882334" y="0"/>
                     </a:cubicBezTo>
                     <a:cubicBezTo>
-                      <a:pt x="4419063" y="278684"/>
-                      <a:pt x="4385361" y="562935"/>
-                      <a:pt x="4414470" y="722119"/>
+                      <a:pt x="4886927" y="278684"/>
+                      <a:pt x="4853225" y="562935"/>
+                      <a:pt x="4882334" y="722119"/>
                     </a:cubicBezTo>
                     <a:cubicBezTo>
-                      <a:pt x="4443579" y="881303"/>
-                      <a:pt x="4442845" y="1256781"/>
-                      <a:pt x="4414470" y="1444238"/>
+                      <a:pt x="4911443" y="881303"/>
+                      <a:pt x="4910709" y="1256781"/>
+                      <a:pt x="4882334" y="1444238"/>
                     </a:cubicBezTo>
                     <a:cubicBezTo>
-                      <a:pt x="4386095" y="1631695"/>
-                      <a:pt x="4387013" y="1852780"/>
-                      <a:pt x="4414470" y="2032631"/>
+                      <a:pt x="4853959" y="1631695"/>
+                      <a:pt x="4854877" y="1852780"/>
+                      <a:pt x="4882334" y="2032631"/>
                     </a:cubicBezTo>
                     <a:cubicBezTo>
-                      <a:pt x="4441927" y="2212482"/>
-                      <a:pt x="4432910" y="2500725"/>
-                      <a:pt x="4414470" y="2674515"/>
+                      <a:pt x="4909791" y="2212482"/>
+                      <a:pt x="4900774" y="2500725"/>
+                      <a:pt x="4882334" y="2674515"/>
                     </a:cubicBezTo>
                     <a:cubicBezTo>
-                      <a:pt x="4232631" y="2672307"/>
-                      <a:pt x="4125980" y="2693779"/>
-                      <a:pt x="3916266" y="2674515"/>
+                      <a:pt x="4691260" y="2676325"/>
+                      <a:pt x="4555102" y="2655812"/>
+                      <a:pt x="4331328" y="2674515"/>
                     </a:cubicBezTo>
                     <a:cubicBezTo>
-                      <a:pt x="3706552" y="2655251"/>
-                      <a:pt x="3427495" y="2704701"/>
-                      <a:pt x="3197338" y="2674515"/>
+                      <a:pt x="4107554" y="2693218"/>
+                      <a:pt x="3914440" y="2661265"/>
+                      <a:pt x="3536205" y="2674515"/>
                     </a:cubicBezTo>
                     <a:cubicBezTo>
-                      <a:pt x="2967181" y="2644329"/>
-                      <a:pt x="2737109" y="2660179"/>
-                      <a:pt x="2610844" y="2674515"/>
+                      <a:pt x="3157970" y="2687765"/>
+                      <a:pt x="3203550" y="2678791"/>
+                      <a:pt x="2887552" y="2674515"/>
                     </a:cubicBezTo>
                     <a:cubicBezTo>
-                      <a:pt x="2484579" y="2688851"/>
-                      <a:pt x="2250774" y="2673315"/>
-                      <a:pt x="2112639" y="2674515"/>
+                      <a:pt x="2571554" y="2670239"/>
+                      <a:pt x="2588446" y="2664206"/>
+                      <a:pt x="2336546" y="2674515"/>
                     </a:cubicBezTo>
                     <a:cubicBezTo>
-                      <a:pt x="1974504" y="2675715"/>
-                      <a:pt x="1571490" y="2702287"/>
-                      <a:pt x="1393711" y="2674515"/>
+                      <a:pt x="2084646" y="2684824"/>
+                      <a:pt x="1802289" y="2651775"/>
+                      <a:pt x="1541423" y="2674515"/>
                     </a:cubicBezTo>
                     <a:cubicBezTo>
-                      <a:pt x="1215932" y="2646743"/>
-                      <a:pt x="1025117" y="2698756"/>
-                      <a:pt x="674783" y="2674515"/>
+                      <a:pt x="1280557" y="2697255"/>
+                      <a:pt x="1068382" y="2660136"/>
+                      <a:pt x="746300" y="2674515"/>
                     </a:cubicBezTo>
                     <a:cubicBezTo>
-                      <a:pt x="324449" y="2650274"/>
-                      <a:pt x="276100" y="2649725"/>
+                      <a:pt x="424218" y="2688894"/>
+                      <a:pt x="345037" y="2661443"/>
                       <a:pt x="0" y="2674515"/>
                     </a:cubicBezTo>
                     <a:cubicBezTo>
@@ -12210,8 +12210,39 @@
                   <a:ea typeface="+mn-ea"/>
                   <a:cs typeface="+mn-cs"/>
                 </a:rPr>
-                <a:t>Consultant in Data Engineering &amp; Architecture				    Jun 2020 – Dec 2021</a:t>
+                <a:t>Consultant in Data Engineering &amp; Architecture				</a:t>
               </a:r>
+              <a:r>
+                <a:rPr kumimoji="0" lang="en-US" sz="1200" b="0" i="1" u="none" strike="noStrike" kern="1200" cap="none" spc="0" normalizeH="0" baseline="0" noProof="0">
+                  <a:ln>
+                    <a:noFill/>
+                  </a:ln>
+                  <a:solidFill>
+                    <a:prstClr val="black"/>
+                  </a:solidFill>
+                  <a:effectLst/>
+                  <a:uLnTx/>
+                  <a:uFillTx/>
+                  <a:latin typeface="Calibri" panose="020F0502020204030204"/>
+                  <a:ea typeface="+mn-ea"/>
+                  <a:cs typeface="+mn-cs"/>
+                </a:rPr>
+                <a:t>    Dec 2021 – now</a:t>
+              </a:r>
+              <a:endParaRPr kumimoji="0" lang="en-US" sz="1200" b="0" i="1" u="none" strike="noStrike" kern="1200" cap="none" spc="0" normalizeH="0" baseline="0" noProof="0" dirty="0">
+                <a:ln>
+                  <a:noFill/>
+                </a:ln>
+                <a:solidFill>
+                  <a:prstClr val="black"/>
+                </a:solidFill>
+                <a:effectLst/>
+                <a:uLnTx/>
+                <a:uFillTx/>
+                <a:latin typeface="Calibri" panose="020F0502020204030204"/>
+                <a:ea typeface="+mn-ea"/>
+                <a:cs typeface="+mn-cs"/>
+              </a:endParaRPr>
             </a:p>
             <a:p>
               <a:pPr marL="171450" marR="0" lvl="0" indent="-171450" algn="l" defTabSz="457200" rtl="0" eaLnBrk="1" fontAlgn="auto" latinLnBrk="0" hangingPunct="1">
